--- a/2023/2023-03/2023-03-15/problem.pptx
+++ b/2023/2023-03/2023-03-15/problem.pptx
@@ -5,11 +5,7 @@
     <p:sldMasterId id="2147483732" r:id="rId1"/>
   </p:sldMasterIdLst>
   <p:sldIdLst>
-    <p:sldId id="256" r:id="rId2"/>
-    <p:sldId id="258" r:id="rId3"/>
-    <p:sldId id="259" r:id="rId4"/>
-    <p:sldId id="266" r:id="rId5"/>
-    <p:sldId id="262" r:id="rId6"/>
+    <p:sldId id="267" r:id="rId2"/>
   </p:sldIdLst>
   <p:sldSz cx="12192000" cy="6858000"/>
   <p:notesSz cx="6858000" cy="9144000"/>
@@ -447,7 +443,7 @@
           <a:p>
             <a:fld id="{13CAB402-B863-4AA4-B7CA-C5BADD25EDE0}" type="datetimeFigureOut">
               <a:rPr lang="en-US" smtClean="0"/>
-              <a:t>3/20/2023</a:t>
+              <a:t>3/30/2023</a:t>
             </a:fld>
             <a:endParaRPr lang="en-US"/>
           </a:p>
@@ -771,7 +767,7 @@
           <a:p>
             <a:fld id="{13CAB402-B863-4AA4-B7CA-C5BADD25EDE0}" type="datetimeFigureOut">
               <a:rPr lang="en-US" smtClean="0"/>
-              <a:t>3/20/2023</a:t>
+              <a:t>3/30/2023</a:t>
             </a:fld>
             <a:endParaRPr lang="en-US"/>
           </a:p>
@@ -1019,7 +1015,7 @@
           <a:p>
             <a:fld id="{13CAB402-B863-4AA4-B7CA-C5BADD25EDE0}" type="datetimeFigureOut">
               <a:rPr lang="en-US" smtClean="0"/>
-              <a:t>3/20/2023</a:t>
+              <a:t>3/30/2023</a:t>
             </a:fld>
             <a:endParaRPr lang="en-US"/>
           </a:p>
@@ -1358,7 +1354,7 @@
           <a:p>
             <a:fld id="{13CAB402-B863-4AA4-B7CA-C5BADD25EDE0}" type="datetimeFigureOut">
               <a:rPr lang="en-US" smtClean="0"/>
-              <a:t>3/20/2023</a:t>
+              <a:t>3/30/2023</a:t>
             </a:fld>
             <a:endParaRPr lang="en-US"/>
           </a:p>
@@ -1705,7 +1701,7 @@
           <a:p>
             <a:fld id="{13CAB402-B863-4AA4-B7CA-C5BADD25EDE0}" type="datetimeFigureOut">
               <a:rPr lang="en-US" smtClean="0"/>
-              <a:t>3/20/2023</a:t>
+              <a:t>3/30/2023</a:t>
             </a:fld>
             <a:endParaRPr lang="en-US"/>
           </a:p>
@@ -2079,7 +2075,7 @@
           <a:p>
             <a:fld id="{13CAB402-B863-4AA4-B7CA-C5BADD25EDE0}" type="datetimeFigureOut">
               <a:rPr lang="en-US" smtClean="0"/>
-              <a:t>3/20/2023</a:t>
+              <a:t>3/30/2023</a:t>
             </a:fld>
             <a:endParaRPr lang="en-US"/>
           </a:p>
@@ -2549,7 +2545,7 @@
           <a:p>
             <a:fld id="{13CAB402-B863-4AA4-B7CA-C5BADD25EDE0}" type="datetimeFigureOut">
               <a:rPr lang="en-US" smtClean="0"/>
-              <a:t>3/20/2023</a:t>
+              <a:t>3/30/2023</a:t>
             </a:fld>
             <a:endParaRPr lang="en-US"/>
           </a:p>
@@ -2754,7 +2750,7 @@
           <a:p>
             <a:fld id="{13CAB402-B863-4AA4-B7CA-C5BADD25EDE0}" type="datetimeFigureOut">
               <a:rPr lang="en-US" smtClean="0"/>
-              <a:t>3/20/2023</a:t>
+              <a:t>3/30/2023</a:t>
             </a:fld>
             <a:endParaRPr lang="en-US"/>
           </a:p>
@@ -2965,7 +2961,7 @@
           <a:p>
             <a:fld id="{13CAB402-B863-4AA4-B7CA-C5BADD25EDE0}" type="datetimeFigureOut">
               <a:rPr lang="en-US" smtClean="0"/>
-              <a:t>3/20/2023</a:t>
+              <a:t>3/30/2023</a:t>
             </a:fld>
             <a:endParaRPr lang="en-US"/>
           </a:p>
@@ -3197,7 +3193,7 @@
           <a:p>
             <a:fld id="{13CAB402-B863-4AA4-B7CA-C5BADD25EDE0}" type="datetimeFigureOut">
               <a:rPr lang="en-US" smtClean="0"/>
-              <a:t>3/20/2023</a:t>
+              <a:t>3/30/2023</a:t>
             </a:fld>
             <a:endParaRPr lang="en-US"/>
           </a:p>
@@ -3445,7 +3441,7 @@
           <a:p>
             <a:fld id="{13CAB402-B863-4AA4-B7CA-C5BADD25EDE0}" type="datetimeFigureOut">
               <a:rPr lang="en-US" smtClean="0"/>
-              <a:t>3/20/2023</a:t>
+              <a:t>3/30/2023</a:t>
             </a:fld>
             <a:endParaRPr lang="en-US"/>
           </a:p>
@@ -3743,7 +3739,7 @@
           <a:p>
             <a:fld id="{13CAB402-B863-4AA4-B7CA-C5BADD25EDE0}" type="datetimeFigureOut">
               <a:rPr lang="en-US" smtClean="0"/>
-              <a:t>3/20/2023</a:t>
+              <a:t>3/30/2023</a:t>
             </a:fld>
             <a:endParaRPr lang="en-US"/>
           </a:p>
@@ -4137,7 +4133,7 @@
           <a:p>
             <a:fld id="{13CAB402-B863-4AA4-B7CA-C5BADD25EDE0}" type="datetimeFigureOut">
               <a:rPr lang="en-US" smtClean="0"/>
-              <a:t>3/20/2023</a:t>
+              <a:t>3/30/2023</a:t>
             </a:fld>
             <a:endParaRPr lang="en-US"/>
           </a:p>
@@ -4286,7 +4282,7 @@
           <a:p>
             <a:fld id="{13CAB402-B863-4AA4-B7CA-C5BADD25EDE0}" type="datetimeFigureOut">
               <a:rPr lang="en-US" smtClean="0"/>
-              <a:t>3/20/2023</a:t>
+              <a:t>3/30/2023</a:t>
             </a:fld>
             <a:endParaRPr lang="en-US"/>
           </a:p>
@@ -4412,7 +4408,7 @@
           <a:p>
             <a:fld id="{13CAB402-B863-4AA4-B7CA-C5BADD25EDE0}" type="datetimeFigureOut">
               <a:rPr lang="en-US" smtClean="0"/>
-              <a:t>3/20/2023</a:t>
+              <a:t>3/30/2023</a:t>
             </a:fld>
             <a:endParaRPr lang="en-US"/>
           </a:p>
@@ -4667,7 +4663,7 @@
           <a:p>
             <a:fld id="{13CAB402-B863-4AA4-B7CA-C5BADD25EDE0}" type="datetimeFigureOut">
               <a:rPr lang="en-US" smtClean="0"/>
-              <a:t>3/20/2023</a:t>
+              <a:t>3/30/2023</a:t>
             </a:fld>
             <a:endParaRPr lang="en-US"/>
           </a:p>
@@ -4982,7 +4978,7 @@
           <a:p>
             <a:fld id="{13CAB402-B863-4AA4-B7CA-C5BADD25EDE0}" type="datetimeFigureOut">
               <a:rPr lang="en-US" smtClean="0"/>
-              <a:t>3/20/2023</a:t>
+              <a:t>3/30/2023</a:t>
             </a:fld>
             <a:endParaRPr lang="en-US"/>
           </a:p>
@@ -5333,7 +5329,7 @@
           <a:p>
             <a:fld id="{13CAB402-B863-4AA4-B7CA-C5BADD25EDE0}" type="datetimeFigureOut">
               <a:rPr lang="en-US" smtClean="0"/>
-              <a:t>3/20/2023</a:t>
+              <a:t>3/30/2023</a:t>
             </a:fld>
             <a:endParaRPr lang="en-US"/>
           </a:p>
@@ -5881,7 +5877,7 @@
           <p:cNvPr id="2" name="Title 1">
             <a:extLst>
               <a:ext uri="{FF2B5EF4-FFF2-40B4-BE49-F238E27FC236}">
-                <a16:creationId xmlns:a16="http://schemas.microsoft.com/office/drawing/2014/main" id="{CA317722-9261-B16F-DF2C-8CF6D23E8851}"/>
+                <a16:creationId xmlns:a16="http://schemas.microsoft.com/office/drawing/2014/main" id="{7085EF4E-E81C-F173-1704-70657BEDAEE9}"/>
               </a:ext>
             </a:extLst>
           </p:cNvPr>
@@ -5889,7 +5885,7 @@
             <a:spLocks noGrp="1"/>
           </p:cNvSpPr>
           <p:nvPr>
-            <p:ph type="ctrTitle"/>
+            <p:ph type="title"/>
           </p:nvPr>
         </p:nvSpPr>
         <p:spPr/>
@@ -5906,10 +5902,10 @@
       </p:sp>
       <p:sp>
         <p:nvSpPr>
-          <p:cNvPr id="3" name="Subtitle 2">
+          <p:cNvPr id="3" name="Content Placeholder 2">
             <a:extLst>
               <a:ext uri="{FF2B5EF4-FFF2-40B4-BE49-F238E27FC236}">
-                <a16:creationId xmlns:a16="http://schemas.microsoft.com/office/drawing/2014/main" id="{043C9A1C-775D-C72F-DB2C-E4FD1E85D80F}"/>
+                <a16:creationId xmlns:a16="http://schemas.microsoft.com/office/drawing/2014/main" id="{313A6133-6E14-DDC3-30B9-9D1F08D2E7FE}"/>
               </a:ext>
             </a:extLst>
           </p:cNvPr>
@@ -5917,7 +5913,7 @@
             <a:spLocks noGrp="1"/>
           </p:cNvSpPr>
           <p:nvPr>
-            <p:ph type="subTitle" idx="1"/>
+            <p:ph idx="1"/>
           </p:nvPr>
         </p:nvSpPr>
         <p:spPr/>
@@ -5925,350 +5921,28 @@
           <a:bodyPr/>
           <a:lstStyle/>
           <a:p>
+            <a:r>
+              <a:rPr lang="en-US" dirty="0"/>
+              <a:t>Given 3 people in 5 days can build 12 walls</a:t>
+            </a:r>
+          </a:p>
+          <a:p>
+            <a:r>
+              <a:rPr lang="en-US" dirty="0"/>
+              <a:t>How many walls can 9 people build in 10 days.</a:t>
+            </a:r>
+          </a:p>
+          <a:p>
             <a:endParaRPr lang="en-US" dirty="0"/>
           </a:p>
         </p:txBody>
       </p:sp>
-    </p:spTree>
-    <p:extLst>
-      <p:ext uri="{BB962C8B-B14F-4D97-AF65-F5344CB8AC3E}">
-        <p14:creationId xmlns:p14="http://schemas.microsoft.com/office/powerpoint/2010/main" val="19180934"/>
-      </p:ext>
-    </p:extLst>
-  </p:cSld>
-  <p:clrMapOvr>
-    <a:masterClrMapping/>
-  </p:clrMapOvr>
-</p:sld>
-</file>
-
-<file path=ppt/slides/slide2.xml><?xml version="1.0" encoding="utf-8"?>
-<p:sld xmlns:a="http://schemas.openxmlformats.org/drawingml/2006/main" xmlns:r="http://schemas.openxmlformats.org/officeDocument/2006/relationships" xmlns:p="http://schemas.openxmlformats.org/presentationml/2006/main">
-  <p:cSld>
-    <p:spTree>
-      <p:nvGrpSpPr>
-        <p:cNvPr id="1" name=""/>
-        <p:cNvGrpSpPr/>
-        <p:nvPr/>
-      </p:nvGrpSpPr>
-      <p:grpSpPr>
-        <a:xfrm>
-          <a:off x="0" y="0"/>
-          <a:ext cx="0" cy="0"/>
-          <a:chOff x="0" y="0"/>
-          <a:chExt cx="0" cy="0"/>
-        </a:xfrm>
-      </p:grpSpPr>
-      <p:sp>
-        <p:nvSpPr>
-          <p:cNvPr id="2" name="Title 1">
+      <p:sp>
+        <p:nvSpPr>
+          <p:cNvPr id="4" name="TextBox 3">
             <a:extLst>
               <a:ext uri="{FF2B5EF4-FFF2-40B4-BE49-F238E27FC236}">
-                <a16:creationId xmlns:a16="http://schemas.microsoft.com/office/drawing/2014/main" id="{B901A517-98D6-700B-03D7-654147AFC7D7}"/>
-              </a:ext>
-            </a:extLst>
-          </p:cNvPr>
-          <p:cNvSpPr>
-            <a:spLocks noGrp="1"/>
-          </p:cNvSpPr>
-          <p:nvPr>
-            <p:ph type="title"/>
-          </p:nvPr>
-        </p:nvSpPr>
-        <p:spPr>
-          <a:xfrm>
-            <a:off x="1295401" y="1447958"/>
-            <a:ext cx="9601196" cy="1303867"/>
-          </a:xfrm>
-        </p:spPr>
-        <p:txBody>
-          <a:bodyPr>
-            <a:normAutofit/>
-          </a:bodyPr>
-          <a:lstStyle/>
-          <a:p>
-            <a:r>
-              <a:rPr lang="en-US" dirty="0"/>
-              <a:t>Given 3 people in 5 days can build 12 walls</a:t>
-            </a:r>
-          </a:p>
-        </p:txBody>
-      </p:sp>
-      <p:sp>
-        <p:nvSpPr>
-          <p:cNvPr id="8" name="Content Placeholder 2">
-            <a:extLst>
-              <a:ext uri="{FF2B5EF4-FFF2-40B4-BE49-F238E27FC236}">
-                <a16:creationId xmlns:a16="http://schemas.microsoft.com/office/drawing/2014/main" id="{63D325DC-38F4-16B3-8746-65569B54FAAC}"/>
-              </a:ext>
-            </a:extLst>
-          </p:cNvPr>
-          <p:cNvSpPr txBox="1">
-            <a:spLocks/>
-          </p:cNvSpPr>
-          <p:nvPr/>
-        </p:nvSpPr>
-        <p:spPr>
-          <a:xfrm>
-            <a:off x="1295401" y="3079630"/>
-            <a:ext cx="9601196" cy="1510902"/>
-          </a:xfrm>
-          <a:prstGeom prst="rect">
-            <a:avLst/>
-          </a:prstGeom>
-        </p:spPr>
-        <p:txBody>
-          <a:bodyPr/>
-          <a:lstStyle>
-            <a:lvl1pPr marL="285750" indent="-285750" algn="l" defTabSz="457200" rtl="0" eaLnBrk="1" latinLnBrk="0" hangingPunct="1">
-              <a:spcBef>
-                <a:spcPct val="20000"/>
-              </a:spcBef>
-              <a:spcAft>
-                <a:spcPts val="600"/>
-              </a:spcAft>
-              <a:buClr>
-                <a:schemeClr val="accent1"/>
-              </a:buClr>
-              <a:buSzPct val="115000"/>
-              <a:buFont typeface="Arial"/>
-              <a:buChar char="•"/>
-              <a:defRPr sz="2400" kern="1200" cap="none">
-                <a:solidFill>
-                  <a:schemeClr val="tx1">
-                    <a:lumMod val="85000"/>
-                    <a:lumOff val="15000"/>
-                  </a:schemeClr>
-                </a:solidFill>
-                <a:effectLst/>
-                <a:latin typeface="+mn-lt"/>
-                <a:ea typeface="+mn-ea"/>
-                <a:cs typeface="+mn-cs"/>
-              </a:defRPr>
-            </a:lvl1pPr>
-            <a:lvl2pPr marL="742950" indent="-285750" algn="l" defTabSz="457200" rtl="0" eaLnBrk="1" latinLnBrk="0" hangingPunct="1">
-              <a:spcBef>
-                <a:spcPct val="20000"/>
-              </a:spcBef>
-              <a:spcAft>
-                <a:spcPts val="600"/>
-              </a:spcAft>
-              <a:buClr>
-                <a:schemeClr val="accent1"/>
-              </a:buClr>
-              <a:buSzPct val="115000"/>
-              <a:buFont typeface="Arial"/>
-              <a:buChar char="•"/>
-              <a:defRPr sz="2000" kern="1200" cap="none">
-                <a:solidFill>
-                  <a:schemeClr val="tx1">
-                    <a:lumMod val="85000"/>
-                    <a:lumOff val="15000"/>
-                  </a:schemeClr>
-                </a:solidFill>
-                <a:effectLst/>
-                <a:latin typeface="+mn-lt"/>
-                <a:ea typeface="+mn-ea"/>
-                <a:cs typeface="+mn-cs"/>
-              </a:defRPr>
-            </a:lvl2pPr>
-            <a:lvl3pPr marL="1200150" indent="-285750" algn="l" defTabSz="457200" rtl="0" eaLnBrk="1" latinLnBrk="0" hangingPunct="1">
-              <a:spcBef>
-                <a:spcPct val="20000"/>
-              </a:spcBef>
-              <a:spcAft>
-                <a:spcPts val="600"/>
-              </a:spcAft>
-              <a:buClr>
-                <a:schemeClr val="accent1"/>
-              </a:buClr>
-              <a:buSzPct val="115000"/>
-              <a:buFont typeface="Arial"/>
-              <a:buChar char="•"/>
-              <a:defRPr sz="1800" kern="1200" cap="none">
-                <a:solidFill>
-                  <a:schemeClr val="tx1">
-                    <a:lumMod val="85000"/>
-                    <a:lumOff val="15000"/>
-                  </a:schemeClr>
-                </a:solidFill>
-                <a:effectLst/>
-                <a:latin typeface="+mn-lt"/>
-                <a:ea typeface="+mn-ea"/>
-                <a:cs typeface="+mn-cs"/>
-              </a:defRPr>
-            </a:lvl3pPr>
-            <a:lvl4pPr marL="1543050" indent="-171450" algn="l" defTabSz="457200" rtl="0" eaLnBrk="1" latinLnBrk="0" hangingPunct="1">
-              <a:spcBef>
-                <a:spcPct val="20000"/>
-              </a:spcBef>
-              <a:spcAft>
-                <a:spcPts val="600"/>
-              </a:spcAft>
-              <a:buClr>
-                <a:schemeClr val="accent1"/>
-              </a:buClr>
-              <a:buSzPct val="115000"/>
-              <a:buFont typeface="Arial"/>
-              <a:buChar char="•"/>
-              <a:defRPr sz="1600" kern="1200" cap="none">
-                <a:solidFill>
-                  <a:schemeClr val="tx1">
-                    <a:lumMod val="85000"/>
-                    <a:lumOff val="15000"/>
-                  </a:schemeClr>
-                </a:solidFill>
-                <a:effectLst/>
-                <a:latin typeface="+mn-lt"/>
-                <a:ea typeface="+mn-ea"/>
-                <a:cs typeface="+mn-cs"/>
-              </a:defRPr>
-            </a:lvl4pPr>
-            <a:lvl5pPr marL="2000250" indent="-171450" algn="l" defTabSz="457200" rtl="0" eaLnBrk="1" latinLnBrk="0" hangingPunct="1">
-              <a:spcBef>
-                <a:spcPct val="20000"/>
-              </a:spcBef>
-              <a:spcAft>
-                <a:spcPts val="600"/>
-              </a:spcAft>
-              <a:buClr>
-                <a:schemeClr val="accent1"/>
-              </a:buClr>
-              <a:buSzPct val="115000"/>
-              <a:buFont typeface="Arial"/>
-              <a:buChar char="•"/>
-              <a:defRPr sz="1400" kern="1200" cap="none">
-                <a:solidFill>
-                  <a:schemeClr val="tx1">
-                    <a:lumMod val="85000"/>
-                    <a:lumOff val="15000"/>
-                  </a:schemeClr>
-                </a:solidFill>
-                <a:effectLst/>
-                <a:latin typeface="+mn-lt"/>
-                <a:ea typeface="+mn-ea"/>
-                <a:cs typeface="+mn-cs"/>
-              </a:defRPr>
-            </a:lvl5pPr>
-            <a:lvl6pPr marL="2514600" indent="-228600" algn="l" defTabSz="457200" rtl="0" eaLnBrk="1" latinLnBrk="0" hangingPunct="1">
-              <a:spcBef>
-                <a:spcPct val="20000"/>
-              </a:spcBef>
-              <a:spcAft>
-                <a:spcPts val="600"/>
-              </a:spcAft>
-              <a:buClr>
-                <a:schemeClr val="accent1"/>
-              </a:buClr>
-              <a:buSzPct val="115000"/>
-              <a:buFont typeface="Arial"/>
-              <a:buChar char="•"/>
-              <a:defRPr sz="1400" kern="1200" cap="none">
-                <a:solidFill>
-                  <a:schemeClr val="tx1">
-                    <a:lumMod val="85000"/>
-                    <a:lumOff val="15000"/>
-                  </a:schemeClr>
-                </a:solidFill>
-                <a:effectLst/>
-                <a:latin typeface="+mn-lt"/>
-                <a:ea typeface="+mn-ea"/>
-                <a:cs typeface="+mn-cs"/>
-              </a:defRPr>
-            </a:lvl6pPr>
-            <a:lvl7pPr marL="2971800" indent="-228600" algn="l" defTabSz="457200" rtl="0" eaLnBrk="1" latinLnBrk="0" hangingPunct="1">
-              <a:spcBef>
-                <a:spcPct val="20000"/>
-              </a:spcBef>
-              <a:spcAft>
-                <a:spcPts val="600"/>
-              </a:spcAft>
-              <a:buClr>
-                <a:schemeClr val="accent1"/>
-              </a:buClr>
-              <a:buSzPct val="115000"/>
-              <a:buFont typeface="Arial"/>
-              <a:buChar char="•"/>
-              <a:defRPr sz="1400" kern="1200" cap="none">
-                <a:solidFill>
-                  <a:schemeClr val="tx1">
-                    <a:lumMod val="85000"/>
-                    <a:lumOff val="15000"/>
-                  </a:schemeClr>
-                </a:solidFill>
-                <a:effectLst/>
-                <a:latin typeface="+mn-lt"/>
-                <a:ea typeface="+mn-ea"/>
-                <a:cs typeface="+mn-cs"/>
-              </a:defRPr>
-            </a:lvl7pPr>
-            <a:lvl8pPr marL="3429000" indent="-228600" algn="l" defTabSz="457200" rtl="0" eaLnBrk="1" latinLnBrk="0" hangingPunct="1">
-              <a:spcBef>
-                <a:spcPct val="20000"/>
-              </a:spcBef>
-              <a:spcAft>
-                <a:spcPts val="600"/>
-              </a:spcAft>
-              <a:buClr>
-                <a:schemeClr val="accent1"/>
-              </a:buClr>
-              <a:buSzPct val="115000"/>
-              <a:buFont typeface="Arial"/>
-              <a:buChar char="•"/>
-              <a:defRPr sz="1400" kern="1200" cap="none">
-                <a:solidFill>
-                  <a:schemeClr val="tx1">
-                    <a:lumMod val="85000"/>
-                    <a:lumOff val="15000"/>
-                  </a:schemeClr>
-                </a:solidFill>
-                <a:effectLst/>
-                <a:latin typeface="+mn-lt"/>
-                <a:ea typeface="+mn-ea"/>
-                <a:cs typeface="+mn-cs"/>
-              </a:defRPr>
-            </a:lvl8pPr>
-            <a:lvl9pPr marL="3886200" indent="-228600" algn="l" defTabSz="457200" rtl="0" eaLnBrk="1" latinLnBrk="0" hangingPunct="1">
-              <a:spcBef>
-                <a:spcPct val="20000"/>
-              </a:spcBef>
-              <a:spcAft>
-                <a:spcPts val="600"/>
-              </a:spcAft>
-              <a:buClr>
-                <a:schemeClr val="accent1"/>
-              </a:buClr>
-              <a:buSzPct val="115000"/>
-              <a:buFont typeface="Arial"/>
-              <a:buChar char="•"/>
-              <a:defRPr sz="1400" kern="1200" cap="none">
-                <a:solidFill>
-                  <a:schemeClr val="tx1">
-                    <a:lumMod val="85000"/>
-                    <a:lumOff val="15000"/>
-                  </a:schemeClr>
-                </a:solidFill>
-                <a:effectLst/>
-                <a:latin typeface="+mn-lt"/>
-                <a:ea typeface="+mn-ea"/>
-                <a:cs typeface="+mn-cs"/>
-              </a:defRPr>
-            </a:lvl9pPr>
-          </a:lstStyle>
-          <a:p>
-            <a:r>
-              <a:rPr lang="en-US" dirty="0"/>
-              <a:t>How many walls can 9 people build in 10 days.</a:t>
-            </a:r>
-          </a:p>
-        </p:txBody>
-      </p:sp>
-      <p:sp>
-        <p:nvSpPr>
-          <p:cNvPr id="3" name="TextBox 2">
-            <a:extLst>
-              <a:ext uri="{FF2B5EF4-FFF2-40B4-BE49-F238E27FC236}">
-                <a16:creationId xmlns:a16="http://schemas.microsoft.com/office/drawing/2014/main" id="{6898ADDF-AB21-AD45-294C-972B48E82969}"/>
+                <a16:creationId xmlns:a16="http://schemas.microsoft.com/office/drawing/2014/main" id="{31887992-F703-0DDE-FCE6-16A727DC6F00}"/>
               </a:ext>
             </a:extLst>
           </p:cNvPr>
@@ -6277,8 +5951,8 @@
         </p:nvSpPr>
         <p:spPr>
           <a:xfrm>
-            <a:off x="1295401" y="5400136"/>
-            <a:ext cx="5323252" cy="369332"/>
+            <a:off x="1416171" y="5506536"/>
+            <a:ext cx="5409751" cy="369332"/>
           </a:xfrm>
           <a:prstGeom prst="rect">
             <a:avLst/>
@@ -6293,15 +5967,7 @@
           <a:p>
             <a:r>
               <a:rPr lang="en-US" dirty="0"/>
-              <a:t>* This is a variation of a problem seen in </a:t>
-            </a:r>
-            <a:r>
-              <a:rPr lang="en-US" dirty="0" err="1"/>
-              <a:t>wechat</a:t>
-            </a:r>
-            <a:r>
-              <a:rPr lang="en-US" dirty="0"/>
-              <a:t> channel.</a:t>
+              <a:t>* This is a variation of a problem seen in WeChat channel.</a:t>
             </a:r>
           </a:p>
         </p:txBody>
@@ -6309,322 +5975,7 @@
     </p:spTree>
     <p:extLst>
       <p:ext uri="{BB962C8B-B14F-4D97-AF65-F5344CB8AC3E}">
-        <p14:creationId xmlns:p14="http://schemas.microsoft.com/office/powerpoint/2010/main" val="356587805"/>
-      </p:ext>
-    </p:extLst>
-  </p:cSld>
-  <p:clrMapOvr>
-    <a:masterClrMapping/>
-  </p:clrMapOvr>
-</p:sld>
-</file>
-
-<file path=ppt/slides/slide3.xml><?xml version="1.0" encoding="utf-8"?>
-<p:sld xmlns:a="http://schemas.openxmlformats.org/drawingml/2006/main" xmlns:r="http://schemas.openxmlformats.org/officeDocument/2006/relationships" xmlns:p="http://schemas.openxmlformats.org/presentationml/2006/main">
-  <p:cSld>
-    <p:spTree>
-      <p:nvGrpSpPr>
-        <p:cNvPr id="1" name=""/>
-        <p:cNvGrpSpPr/>
-        <p:nvPr/>
-      </p:nvGrpSpPr>
-      <p:grpSpPr>
-        <a:xfrm>
-          <a:off x="0" y="0"/>
-          <a:ext cx="0" cy="0"/>
-          <a:chOff x="0" y="0"/>
-          <a:chExt cx="0" cy="0"/>
-        </a:xfrm>
-      </p:grpSpPr>
-      <p:sp>
-        <p:nvSpPr>
-          <p:cNvPr id="2" name="Title 1">
-            <a:extLst>
-              <a:ext uri="{FF2B5EF4-FFF2-40B4-BE49-F238E27FC236}">
-                <a16:creationId xmlns:a16="http://schemas.microsoft.com/office/drawing/2014/main" id="{CA317722-9261-B16F-DF2C-8CF6D23E8851}"/>
-              </a:ext>
-            </a:extLst>
-          </p:cNvPr>
-          <p:cNvSpPr>
-            <a:spLocks noGrp="1"/>
-          </p:cNvSpPr>
-          <p:nvPr>
-            <p:ph type="ctrTitle"/>
-          </p:nvPr>
-        </p:nvSpPr>
-        <p:spPr/>
-        <p:txBody>
-          <a:bodyPr/>
-          <a:lstStyle/>
-          <a:p>
-            <a:r>
-              <a:rPr lang="en-US" dirty="0"/>
-              <a:t>Solution</a:t>
-            </a:r>
-          </a:p>
-        </p:txBody>
-      </p:sp>
-      <p:sp>
-        <p:nvSpPr>
-          <p:cNvPr id="3" name="Subtitle 2">
-            <a:extLst>
-              <a:ext uri="{FF2B5EF4-FFF2-40B4-BE49-F238E27FC236}">
-                <a16:creationId xmlns:a16="http://schemas.microsoft.com/office/drawing/2014/main" id="{043C9A1C-775D-C72F-DB2C-E4FD1E85D80F}"/>
-              </a:ext>
-            </a:extLst>
-          </p:cNvPr>
-          <p:cNvSpPr>
-            <a:spLocks noGrp="1"/>
-          </p:cNvSpPr>
-          <p:nvPr>
-            <p:ph type="subTitle" idx="1"/>
-          </p:nvPr>
-        </p:nvSpPr>
-        <p:spPr/>
-        <p:txBody>
-          <a:bodyPr/>
-          <a:lstStyle/>
-          <a:p>
-            <a:endParaRPr lang="en-US" dirty="0"/>
-          </a:p>
-        </p:txBody>
-      </p:sp>
-      <p:cxnSp>
-        <p:nvCxnSpPr>
-          <p:cNvPr id="4" name="Straight Connector 3">
-            <a:extLst>
-              <a:ext uri="{FF2B5EF4-FFF2-40B4-BE49-F238E27FC236}">
-                <a16:creationId xmlns:a16="http://schemas.microsoft.com/office/drawing/2014/main" id="{AA241FF2-783E-F0FB-BBB6-BDB4BE717A67}"/>
-              </a:ext>
-            </a:extLst>
-          </p:cNvPr>
-          <p:cNvCxnSpPr>
-            <a:cxnSpLocks/>
-          </p:cNvCxnSpPr>
-          <p:nvPr/>
-        </p:nvCxnSpPr>
-        <p:spPr>
-          <a:xfrm>
-            <a:off x="11580671" y="7607456"/>
-            <a:ext cx="1219200" cy="0"/>
-          </a:xfrm>
-          <a:prstGeom prst="line">
-            <a:avLst/>
-          </a:prstGeom>
-          <a:ln w="25400">
-            <a:solidFill>
-              <a:schemeClr val="tx1"/>
-            </a:solidFill>
-          </a:ln>
-        </p:spPr>
-        <p:style>
-          <a:lnRef idx="1">
-            <a:schemeClr val="accent1"/>
-          </a:lnRef>
-          <a:fillRef idx="0">
-            <a:schemeClr val="accent1"/>
-          </a:fillRef>
-          <a:effectRef idx="0">
-            <a:schemeClr val="accent1"/>
-          </a:effectRef>
-          <a:fontRef idx="minor">
-            <a:schemeClr val="tx1"/>
-          </a:fontRef>
-        </p:style>
-      </p:cxnSp>
-    </p:spTree>
-    <p:extLst>
-      <p:ext uri="{BB962C8B-B14F-4D97-AF65-F5344CB8AC3E}">
-        <p14:creationId xmlns:p14="http://schemas.microsoft.com/office/powerpoint/2010/main" val="3901014800"/>
-      </p:ext>
-    </p:extLst>
-  </p:cSld>
-  <p:clrMapOvr>
-    <a:masterClrMapping/>
-  </p:clrMapOvr>
-</p:sld>
-</file>
-
-<file path=ppt/slides/slide4.xml><?xml version="1.0" encoding="utf-8"?>
-<p:sld xmlns:a="http://schemas.openxmlformats.org/drawingml/2006/main" xmlns:r="http://schemas.openxmlformats.org/officeDocument/2006/relationships" xmlns:p="http://schemas.openxmlformats.org/presentationml/2006/main">
-  <p:cSld>
-    <p:spTree>
-      <p:nvGrpSpPr>
-        <p:cNvPr id="1" name=""/>
-        <p:cNvGrpSpPr/>
-        <p:nvPr/>
-      </p:nvGrpSpPr>
-      <p:grpSpPr>
-        <a:xfrm>
-          <a:off x="0" y="0"/>
-          <a:ext cx="0" cy="0"/>
-          <a:chOff x="0" y="0"/>
-          <a:chExt cx="0" cy="0"/>
-        </a:xfrm>
-      </p:grpSpPr>
-      <p:sp>
-        <p:nvSpPr>
-          <p:cNvPr id="2" name="Title 1">
-            <a:extLst>
-              <a:ext uri="{FF2B5EF4-FFF2-40B4-BE49-F238E27FC236}">
-                <a16:creationId xmlns:a16="http://schemas.microsoft.com/office/drawing/2014/main" id="{959FB38A-7A0B-D95A-9178-5F278E146DF2}"/>
-              </a:ext>
-            </a:extLst>
-          </p:cNvPr>
-          <p:cNvSpPr>
-            <a:spLocks noGrp="1"/>
-          </p:cNvSpPr>
-          <p:nvPr>
-            <p:ph type="title"/>
-          </p:nvPr>
-        </p:nvSpPr>
-        <p:spPr/>
-        <p:txBody>
-          <a:bodyPr/>
-          <a:lstStyle/>
-          <a:p>
-            <a:endParaRPr lang="en-US" dirty="0"/>
-          </a:p>
-        </p:txBody>
-      </p:sp>
-      <p:sp>
-        <p:nvSpPr>
-          <p:cNvPr id="3" name="Content Placeholder 2">
-            <a:extLst>
-              <a:ext uri="{FF2B5EF4-FFF2-40B4-BE49-F238E27FC236}">
-                <a16:creationId xmlns:a16="http://schemas.microsoft.com/office/drawing/2014/main" id="{63F18933-BD44-EAD6-CE8D-3679E085F9B9}"/>
-              </a:ext>
-            </a:extLst>
-          </p:cNvPr>
-          <p:cNvSpPr>
-            <a:spLocks noGrp="1"/>
-          </p:cNvSpPr>
-          <p:nvPr>
-            <p:ph idx="1"/>
-          </p:nvPr>
-        </p:nvSpPr>
-        <p:spPr/>
-        <p:txBody>
-          <a:bodyPr/>
-          <a:lstStyle/>
-          <a:p>
-            <a:r>
-              <a:rPr lang="en-US" dirty="0"/>
-              <a:t>9 people = 3 x</a:t>
-            </a:r>
-          </a:p>
-          <a:p>
-            <a:r>
-              <a:rPr lang="en-US" dirty="0"/>
-              <a:t>10 day = 2 x</a:t>
-            </a:r>
-          </a:p>
-          <a:p>
-            <a:r>
-              <a:rPr lang="en-US" dirty="0"/>
-              <a:t>So, the result is 12 x 2 x 3 = 72 walls</a:t>
-            </a:r>
-          </a:p>
-        </p:txBody>
-      </p:sp>
-    </p:spTree>
-    <p:extLst>
-      <p:ext uri="{BB962C8B-B14F-4D97-AF65-F5344CB8AC3E}">
-        <p14:creationId xmlns:p14="http://schemas.microsoft.com/office/powerpoint/2010/main" val="3541333619"/>
-      </p:ext>
-    </p:extLst>
-  </p:cSld>
-  <p:clrMapOvr>
-    <a:masterClrMapping/>
-  </p:clrMapOvr>
-</p:sld>
-</file>
-
-<file path=ppt/slides/slide5.xml><?xml version="1.0" encoding="utf-8"?>
-<p:sld xmlns:a="http://schemas.openxmlformats.org/drawingml/2006/main" xmlns:r="http://schemas.openxmlformats.org/officeDocument/2006/relationships" xmlns:p="http://schemas.openxmlformats.org/presentationml/2006/main">
-  <p:cSld>
-    <p:spTree>
-      <p:nvGrpSpPr>
-        <p:cNvPr id="1" name=""/>
-        <p:cNvGrpSpPr/>
-        <p:nvPr/>
-      </p:nvGrpSpPr>
-      <p:grpSpPr>
-        <a:xfrm>
-          <a:off x="0" y="0"/>
-          <a:ext cx="0" cy="0"/>
-          <a:chOff x="0" y="0"/>
-          <a:chExt cx="0" cy="0"/>
-        </a:xfrm>
-      </p:grpSpPr>
-      <p:sp>
-        <p:nvSpPr>
-          <p:cNvPr id="2" name="Title 1">
-            <a:extLst>
-              <a:ext uri="{FF2B5EF4-FFF2-40B4-BE49-F238E27FC236}">
-                <a16:creationId xmlns:a16="http://schemas.microsoft.com/office/drawing/2014/main" id="{56226C64-365C-4FF3-44C1-F1E828C19684}"/>
-              </a:ext>
-            </a:extLst>
-          </p:cNvPr>
-          <p:cNvSpPr>
-            <a:spLocks noGrp="1"/>
-          </p:cNvSpPr>
-          <p:nvPr>
-            <p:ph type="title"/>
-          </p:nvPr>
-        </p:nvSpPr>
-        <p:spPr/>
-        <p:txBody>
-          <a:bodyPr/>
-          <a:lstStyle/>
-          <a:p>
-            <a:r>
-              <a:rPr lang="en-US" dirty="0"/>
-              <a:t>Notes</a:t>
-            </a:r>
-          </a:p>
-        </p:txBody>
-      </p:sp>
-      <p:sp>
-        <p:nvSpPr>
-          <p:cNvPr id="3" name="Content Placeholder 2">
-            <a:extLst>
-              <a:ext uri="{FF2B5EF4-FFF2-40B4-BE49-F238E27FC236}">
-                <a16:creationId xmlns:a16="http://schemas.microsoft.com/office/drawing/2014/main" id="{F4F551EF-C73D-5C85-984A-ACA511573A8C}"/>
-              </a:ext>
-            </a:extLst>
-          </p:cNvPr>
-          <p:cNvSpPr>
-            <a:spLocks noGrp="1"/>
-          </p:cNvSpPr>
-          <p:nvPr>
-            <p:ph idx="1"/>
-          </p:nvPr>
-        </p:nvSpPr>
-        <p:spPr/>
-        <p:txBody>
-          <a:bodyPr/>
-          <a:lstStyle/>
-          <a:p>
-            <a:r>
-              <a:rPr lang="en-US" dirty="0"/>
-              <a:t>This problem is to help kids understanding multiplications better.  This kind </a:t>
-            </a:r>
-            <a:r>
-              <a:rPr lang="en-US"/>
-              <a:t>of problems </a:t>
-            </a:r>
-            <a:r>
-              <a:rPr lang="en-US" dirty="0"/>
-              <a:t>needs to be repeated until kids can do it easily.</a:t>
-            </a:r>
-          </a:p>
-        </p:txBody>
-      </p:sp>
-    </p:spTree>
-    <p:extLst>
-      <p:ext uri="{BB962C8B-B14F-4D97-AF65-F5344CB8AC3E}">
-        <p14:creationId xmlns:p14="http://schemas.microsoft.com/office/powerpoint/2010/main" val="4269573930"/>
+        <p14:creationId xmlns:p14="http://schemas.microsoft.com/office/powerpoint/2010/main" val="1826636675"/>
       </p:ext>
     </p:extLst>
   </p:cSld>
